--- a/files/teaching-resources/monmouthcollege-econ-300/econ-300-lecture-note/ECON300-LEC03.pptx
+++ b/files/teaching-resources/monmouthcollege-econ-300/econ-300-lecture-note/ECON300-LEC03.pptx
@@ -224,7 +224,7 @@
           <a:p>
             <a:fld id="{0E0A6441-4E79-42FF-805B-86C90BDFD38D}" type="datetimeFigureOut">
               <a:rPr lang="en-US" smtClean="0"/>
-              <a:t>8/26/2024</a:t>
+              <a:t>8/28/2024</a:t>
             </a:fld>
             <a:endParaRPr lang="en-US" dirty="0"/>
           </a:p>
